--- a/Daily Agendas/Day6.1_BitCoinAndBlockchains3.pptx
+++ b/Daily Agendas/Day6.1_BitCoinAndBlockchains3.pptx
@@ -3520,19 +3520,7 @@
             </a:r>
             <a:r>
               <a:rPr lang="en-US" dirty="0" smtClean="0"/>
-              <a:t> </a:t>
-            </a:r>
-            <a:r>
-              <a:rPr lang="en-US" dirty="0" smtClean="0"/>
-              <a:t>3 </a:t>
-            </a:r>
-            <a:r>
-              <a:rPr lang="en-US" dirty="0" smtClean="0"/>
-              <a:t>– Oct </a:t>
-            </a:r>
-            <a:r>
-              <a:rPr lang="en-US" dirty="0" smtClean="0"/>
-              <a:t>07</a:t>
+              <a:t> 3 – Oct 07</a:t>
             </a:r>
             <a:endParaRPr lang="en-US" dirty="0"/>
           </a:p>
@@ -3598,25 +3586,17 @@
             <a:pPr lvl="1"/>
             <a:r>
               <a:rPr lang="en-CA" dirty="0" smtClean="0"/>
-              <a:t>Lesson </a:t>
-            </a:r>
-            <a:r>
-              <a:rPr lang="en-CA" dirty="0" smtClean="0"/>
-              <a:t>A.3 Presentations</a:t>
+              <a:t>Lesson A.3 Presentations</a:t>
             </a:r>
           </a:p>
           <a:p>
             <a:pPr lvl="2"/>
             <a:r>
-              <a:rPr lang="en-CA" dirty="0" smtClean="0"/>
-              <a:t>Today</a:t>
-            </a:r>
-            <a:r>
               <a:rPr lang="en-CA" smtClean="0"/>
-              <a:t>: </a:t>
-            </a:r>
-            <a:r>
-              <a:rPr lang="en-CA" smtClean="0"/>
+              <a:t>Tomorrow: </a:t>
+            </a:r>
+            <a:r>
+              <a:rPr lang="en-CA" dirty="0" err="1" smtClean="0"/>
               <a:t>Kunwar</a:t>
             </a:r>
             <a:endParaRPr lang="en-CA" dirty="0" smtClean="0"/>
